--- a/assignment1/src/dfa.pptx
+++ b/assignment1/src/dfa.pptx
@@ -259,7 +259,7 @@
           <a:p>
             <a:fld id="{5AE4355C-AF8B-6043-9511-B6B3ECE02669}" type="datetimeFigureOut">
               <a:rPr kumimoji="1" lang="ko-KR" altLang="en-US" smtClean="0"/>
-              <a:t>2025. 9. 11.</a:t>
+              <a:t>2025-09-14</a:t>
             </a:fld>
             <a:endParaRPr kumimoji="1" lang="ko-KR" altLang="en-US"/>
           </a:p>
@@ -457,7 +457,7 @@
           <a:p>
             <a:fld id="{5AE4355C-AF8B-6043-9511-B6B3ECE02669}" type="datetimeFigureOut">
               <a:rPr kumimoji="1" lang="ko-KR" altLang="en-US" smtClean="0"/>
-              <a:t>2025. 9. 11.</a:t>
+              <a:t>2025-09-14</a:t>
             </a:fld>
             <a:endParaRPr kumimoji="1" lang="ko-KR" altLang="en-US"/>
           </a:p>
@@ -665,7 +665,7 @@
           <a:p>
             <a:fld id="{5AE4355C-AF8B-6043-9511-B6B3ECE02669}" type="datetimeFigureOut">
               <a:rPr kumimoji="1" lang="ko-KR" altLang="en-US" smtClean="0"/>
-              <a:t>2025. 9. 11.</a:t>
+              <a:t>2025-09-14</a:t>
             </a:fld>
             <a:endParaRPr kumimoji="1" lang="ko-KR" altLang="en-US"/>
           </a:p>
@@ -863,7 +863,7 @@
           <a:p>
             <a:fld id="{5AE4355C-AF8B-6043-9511-B6B3ECE02669}" type="datetimeFigureOut">
               <a:rPr kumimoji="1" lang="ko-KR" altLang="en-US" smtClean="0"/>
-              <a:t>2025. 9. 11.</a:t>
+              <a:t>2025-09-14</a:t>
             </a:fld>
             <a:endParaRPr kumimoji="1" lang="ko-KR" altLang="en-US"/>
           </a:p>
@@ -1138,7 +1138,7 @@
           <a:p>
             <a:fld id="{5AE4355C-AF8B-6043-9511-B6B3ECE02669}" type="datetimeFigureOut">
               <a:rPr kumimoji="1" lang="ko-KR" altLang="en-US" smtClean="0"/>
-              <a:t>2025. 9. 11.</a:t>
+              <a:t>2025-09-14</a:t>
             </a:fld>
             <a:endParaRPr kumimoji="1" lang="ko-KR" altLang="en-US"/>
           </a:p>
@@ -1403,7 +1403,7 @@
           <a:p>
             <a:fld id="{5AE4355C-AF8B-6043-9511-B6B3ECE02669}" type="datetimeFigureOut">
               <a:rPr kumimoji="1" lang="ko-KR" altLang="en-US" smtClean="0"/>
-              <a:t>2025. 9. 11.</a:t>
+              <a:t>2025-09-14</a:t>
             </a:fld>
             <a:endParaRPr kumimoji="1" lang="ko-KR" altLang="en-US"/>
           </a:p>
@@ -1815,7 +1815,7 @@
           <a:p>
             <a:fld id="{5AE4355C-AF8B-6043-9511-B6B3ECE02669}" type="datetimeFigureOut">
               <a:rPr kumimoji="1" lang="ko-KR" altLang="en-US" smtClean="0"/>
-              <a:t>2025. 9. 11.</a:t>
+              <a:t>2025-09-14</a:t>
             </a:fld>
             <a:endParaRPr kumimoji="1" lang="ko-KR" altLang="en-US"/>
           </a:p>
@@ -1956,7 +1956,7 @@
           <a:p>
             <a:fld id="{5AE4355C-AF8B-6043-9511-B6B3ECE02669}" type="datetimeFigureOut">
               <a:rPr kumimoji="1" lang="ko-KR" altLang="en-US" smtClean="0"/>
-              <a:t>2025. 9. 11.</a:t>
+              <a:t>2025-09-14</a:t>
             </a:fld>
             <a:endParaRPr kumimoji="1" lang="ko-KR" altLang="en-US"/>
           </a:p>
@@ -2069,7 +2069,7 @@
           <a:p>
             <a:fld id="{5AE4355C-AF8B-6043-9511-B6B3ECE02669}" type="datetimeFigureOut">
               <a:rPr kumimoji="1" lang="ko-KR" altLang="en-US" smtClean="0"/>
-              <a:t>2025. 9. 11.</a:t>
+              <a:t>2025-09-14</a:t>
             </a:fld>
             <a:endParaRPr kumimoji="1" lang="ko-KR" altLang="en-US"/>
           </a:p>
@@ -2380,7 +2380,7 @@
           <a:p>
             <a:fld id="{5AE4355C-AF8B-6043-9511-B6B3ECE02669}" type="datetimeFigureOut">
               <a:rPr kumimoji="1" lang="ko-KR" altLang="en-US" smtClean="0"/>
-              <a:t>2025. 9. 11.</a:t>
+              <a:t>2025-09-14</a:t>
             </a:fld>
             <a:endParaRPr kumimoji="1" lang="ko-KR" altLang="en-US"/>
           </a:p>
@@ -2668,7 +2668,7 @@
           <a:p>
             <a:fld id="{5AE4355C-AF8B-6043-9511-B6B3ECE02669}" type="datetimeFigureOut">
               <a:rPr kumimoji="1" lang="ko-KR" altLang="en-US" smtClean="0"/>
-              <a:t>2025. 9. 11.</a:t>
+              <a:t>2025-09-14</a:t>
             </a:fld>
             <a:endParaRPr kumimoji="1" lang="ko-KR" altLang="en-US"/>
           </a:p>
@@ -2909,7 +2909,7 @@
           <a:p>
             <a:fld id="{5AE4355C-AF8B-6043-9511-B6B3ECE02669}" type="datetimeFigureOut">
               <a:rPr kumimoji="1" lang="ko-KR" altLang="en-US" smtClean="0"/>
-              <a:t>2025. 9. 11.</a:t>
+              <a:t>2025-09-14</a:t>
             </a:fld>
             <a:endParaRPr kumimoji="1" lang="ko-KR" altLang="en-US"/>
           </a:p>
@@ -4179,7 +4179,7 @@
         </p:nvSpPr>
         <p:spPr>
           <a:xfrm>
-            <a:off x="2629255" y="4199404"/>
+            <a:off x="2425368" y="4244126"/>
             <a:ext cx="1229353" cy="461665"/>
           </a:xfrm>
           <a:prstGeom prst="rect">
@@ -4195,7 +4195,13 @@
           <a:p>
             <a:r>
               <a:rPr kumimoji="1" lang="en-US" altLang="ko-KR" sz="1200" dirty="0"/>
-              <a:t>Any char but * (print it)</a:t>
+              <a:t>Any char but *</a:t>
+            </a:r>
+          </a:p>
+          <a:p>
+            <a:r>
+              <a:rPr kumimoji="1" lang="en-US" altLang="ko-KR" sz="1200" dirty="0"/>
+              <a:t>(if n, print n)</a:t>
             </a:r>
             <a:endParaRPr kumimoji="1" lang="ko-KR" altLang="en-US" sz="1200" dirty="0"/>
           </a:p>
@@ -4337,8 +4343,8 @@
         </p:nvSpPr>
         <p:spPr>
           <a:xfrm>
-            <a:off x="6246630" y="4458051"/>
-            <a:ext cx="1229353" cy="461665"/>
+            <a:off x="6211849" y="4527382"/>
+            <a:ext cx="1229353" cy="276999"/>
           </a:xfrm>
           <a:prstGeom prst="rect">
             <a:avLst/>
@@ -4353,7 +4359,7 @@
           <a:p>
             <a:r>
               <a:rPr kumimoji="1" lang="en-US" altLang="ko-KR" sz="1200" dirty="0"/>
-              <a:t>Any char but / (print it)</a:t>
+              <a:t>Any char but /</a:t>
             </a:r>
             <a:endParaRPr kumimoji="1" lang="ko-KR" altLang="en-US" sz="1200" dirty="0"/>
           </a:p>
@@ -4473,8 +4479,8 @@
         </p:nvSpPr>
         <p:spPr>
           <a:xfrm>
-            <a:off x="2816630" y="713950"/>
-            <a:ext cx="276038" cy="369332"/>
+            <a:off x="2400125" y="709644"/>
+            <a:ext cx="720069" cy="246221"/>
           </a:xfrm>
           <a:prstGeom prst="rect">
             <a:avLst/>
@@ -4488,10 +4494,10 @@
           <a:lstStyle/>
           <a:p>
             <a:r>
-              <a:rPr kumimoji="1" lang="en-US" altLang="ko-KR" dirty="0"/>
-              <a:t>“</a:t>
-            </a:r>
-            <a:endParaRPr kumimoji="1" lang="ko-KR" altLang="en-US" dirty="0"/>
+              <a:rPr kumimoji="1" lang="en-US" altLang="ko-KR" sz="1000" dirty="0"/>
+              <a:t>“ (print “)</a:t>
+            </a:r>
+            <a:endParaRPr kumimoji="1" lang="ko-KR" altLang="en-US" sz="1000" dirty="0"/>
           </a:p>
         </p:txBody>
       </p:sp>
@@ -4610,8 +4616,8 @@
         </p:nvSpPr>
         <p:spPr>
           <a:xfrm>
-            <a:off x="3143694" y="1029340"/>
-            <a:ext cx="276038" cy="369332"/>
+            <a:off x="3146611" y="1073659"/>
+            <a:ext cx="720069" cy="246221"/>
           </a:xfrm>
           <a:prstGeom prst="rect">
             <a:avLst/>
@@ -4625,10 +4631,10 @@
           <a:lstStyle/>
           <a:p>
             <a:r>
-              <a:rPr kumimoji="1" lang="en-US" altLang="ko-KR" dirty="0"/>
-              <a:t>“</a:t>
-            </a:r>
-            <a:endParaRPr kumimoji="1" lang="ko-KR" altLang="en-US" dirty="0"/>
+              <a:rPr kumimoji="1" lang="en-US" altLang="ko-KR" sz="1000" dirty="0"/>
+              <a:t>“ (print “)</a:t>
+            </a:r>
+            <a:endParaRPr kumimoji="1" lang="ko-KR" altLang="en-US" sz="1000" dirty="0"/>
           </a:p>
         </p:txBody>
       </p:sp>
@@ -4816,8 +4822,8 @@
         </p:nvSpPr>
         <p:spPr>
           <a:xfrm>
-            <a:off x="1856502" y="907674"/>
-            <a:ext cx="237566" cy="369332"/>
+            <a:off x="1687602" y="927348"/>
+            <a:ext cx="681597" cy="246221"/>
           </a:xfrm>
           <a:prstGeom prst="rect">
             <a:avLst/>
@@ -4831,10 +4837,10 @@
           <a:lstStyle/>
           <a:p>
             <a:r>
-              <a:rPr kumimoji="1" lang="en-US" altLang="ko-KR" dirty="0"/>
-              <a:t>‘</a:t>
-            </a:r>
-            <a:endParaRPr kumimoji="1" lang="ko-KR" altLang="en-US" dirty="0"/>
+              <a:rPr kumimoji="1" lang="en-US" altLang="ko-KR" sz="1000" dirty="0"/>
+              <a:t>‘ (print ‘)</a:t>
+            </a:r>
+            <a:endParaRPr kumimoji="1" lang="ko-KR" altLang="en-US" sz="1000" dirty="0"/>
           </a:p>
         </p:txBody>
       </p:sp>
@@ -4852,8 +4858,8 @@
         </p:nvSpPr>
         <p:spPr>
           <a:xfrm>
-            <a:off x="1471966" y="1219768"/>
-            <a:ext cx="237566" cy="369332"/>
+            <a:off x="1165841" y="1368966"/>
+            <a:ext cx="681597" cy="246221"/>
           </a:xfrm>
           <a:prstGeom prst="rect">
             <a:avLst/>
@@ -4867,10 +4873,10 @@
           <a:lstStyle/>
           <a:p>
             <a:r>
-              <a:rPr kumimoji="1" lang="en-US" altLang="ko-KR" dirty="0"/>
-              <a:t>‘</a:t>
-            </a:r>
-            <a:endParaRPr kumimoji="1" lang="ko-KR" altLang="en-US" dirty="0"/>
+              <a:rPr kumimoji="1" lang="en-US" altLang="ko-KR" sz="1000" dirty="0"/>
+              <a:t>‘ (print ‘)</a:t>
+            </a:r>
+            <a:endParaRPr kumimoji="1" lang="ko-KR" altLang="en-US" sz="1000" dirty="0"/>
           </a:p>
         </p:txBody>
       </p:sp>
@@ -4934,7 +4940,7 @@
         </p:nvSpPr>
         <p:spPr>
           <a:xfrm>
-            <a:off x="233549" y="1059575"/>
+            <a:off x="42130" y="1030411"/>
             <a:ext cx="1229353" cy="461665"/>
           </a:xfrm>
           <a:prstGeom prst="rect">
@@ -5097,8 +5103,8 @@
         </p:nvSpPr>
         <p:spPr>
           <a:xfrm>
-            <a:off x="6263690" y="2838697"/>
-            <a:ext cx="1229353" cy="461665"/>
+            <a:off x="6246629" y="3057263"/>
+            <a:ext cx="1229353" cy="276999"/>
           </a:xfrm>
           <a:prstGeom prst="rect">
             <a:avLst/>
@@ -5113,7 +5119,7 @@
           <a:p>
             <a:r>
               <a:rPr kumimoji="1" lang="en-US" altLang="ko-KR" sz="1200" dirty="0"/>
-              <a:t>Any char but n (print it)</a:t>
+              <a:t>Any char but n</a:t>
             </a:r>
             <a:endParaRPr kumimoji="1" lang="ko-KR" altLang="en-US" sz="1200" dirty="0"/>
           </a:p>
@@ -5449,6 +5455,172 @@
               <a:rPr kumimoji="1" lang="ko-KR" altLang="en-US" dirty="0"/>
               <a:t>로 전이</a:t>
             </a:r>
+          </a:p>
+        </p:txBody>
+      </p:sp>
+      <p:sp>
+        <p:nvSpPr>
+          <p:cNvPr id="15" name="TextBox 14">
+            <a:extLst>
+              <a:ext uri="{FF2B5EF4-FFF2-40B4-BE49-F238E27FC236}">
+                <a16:creationId xmlns:a16="http://schemas.microsoft.com/office/drawing/2014/main" id="{D9AF3F6E-E105-6E74-8AAD-D8384BD421B6}"/>
+              </a:ext>
+            </a:extLst>
+          </p:cNvPr>
+          <p:cNvSpPr txBox="1"/>
+          <p:nvPr/>
+        </p:nvSpPr>
+        <p:spPr>
+          <a:xfrm>
+            <a:off x="267235" y="1738352"/>
+            <a:ext cx="1229353" cy="646331"/>
+          </a:xfrm>
+          <a:prstGeom prst="rect">
+            <a:avLst/>
+          </a:prstGeom>
+          <a:noFill/>
+        </p:spPr>
+        <p:txBody>
+          <a:bodyPr wrap="square" rtlCol="0">
+            <a:spAutoFit/>
+          </a:bodyPr>
+          <a:lstStyle/>
+          <a:p>
+            <a:r>
+              <a:rPr kumimoji="1" lang="en-US" altLang="ko-KR" sz="1200" dirty="0"/>
+              <a:t>Any char except /, *, ‘, ”</a:t>
+            </a:r>
+          </a:p>
+          <a:p>
+            <a:r>
+              <a:rPr kumimoji="1" lang="en-US" altLang="ko-KR" sz="1200" dirty="0"/>
+              <a:t>(print it)</a:t>
+            </a:r>
+            <a:endParaRPr kumimoji="1" lang="ko-KR" altLang="en-US" sz="1200" dirty="0"/>
+          </a:p>
+        </p:txBody>
+      </p:sp>
+      <p:cxnSp>
+        <p:nvCxnSpPr>
+          <p:cNvPr id="16" name="구부러진 연결선[U] 27">
+            <a:extLst>
+              <a:ext uri="{FF2B5EF4-FFF2-40B4-BE49-F238E27FC236}">
+                <a16:creationId xmlns:a16="http://schemas.microsoft.com/office/drawing/2014/main" id="{28B9A516-0191-5F99-5726-1237197AA7D1}"/>
+              </a:ext>
+            </a:extLst>
+          </p:cNvPr>
+          <p:cNvCxnSpPr>
+            <a:cxnSpLocks/>
+          </p:cNvCxnSpPr>
+          <p:nvPr/>
+        </p:nvCxnSpPr>
+        <p:spPr>
+          <a:xfrm>
+            <a:off x="1751012" y="1912816"/>
+            <a:ext cx="270727" cy="246015"/>
+          </a:xfrm>
+          <a:prstGeom prst="curvedConnector3">
+            <a:avLst>
+              <a:gd name="adj1" fmla="val -132466"/>
+            </a:avLst>
+          </a:prstGeom>
+          <a:ln>
+            <a:tailEnd type="triangle"/>
+          </a:ln>
+        </p:spPr>
+        <p:style>
+          <a:lnRef idx="2">
+            <a:schemeClr val="dk1"/>
+          </a:lnRef>
+          <a:fillRef idx="0">
+            <a:schemeClr val="dk1"/>
+          </a:fillRef>
+          <a:effectRef idx="1">
+            <a:schemeClr val="dk1"/>
+          </a:effectRef>
+          <a:fontRef idx="minor">
+            <a:schemeClr val="tx1"/>
+          </a:fontRef>
+        </p:style>
+      </p:cxnSp>
+      <p:cxnSp>
+        <p:nvCxnSpPr>
+          <p:cNvPr id="21" name="구부러진 연결선[U] 93">
+            <a:extLst>
+              <a:ext uri="{FF2B5EF4-FFF2-40B4-BE49-F238E27FC236}">
+                <a16:creationId xmlns:a16="http://schemas.microsoft.com/office/drawing/2014/main" id="{63C68F9C-DA9C-17C1-FBAD-111942463780}"/>
+              </a:ext>
+            </a:extLst>
+          </p:cNvPr>
+          <p:cNvCxnSpPr>
+            <a:cxnSpLocks/>
+            <a:stCxn id="24" idx="5"/>
+            <a:endCxn id="24" idx="3"/>
+          </p:cNvCxnSpPr>
+          <p:nvPr/>
+        </p:nvCxnSpPr>
+        <p:spPr>
+          <a:xfrm rot="5400000">
+            <a:off x="5757042" y="5465380"/>
+            <a:ext cx="12700" cy="497939"/>
+          </a:xfrm>
+          <a:prstGeom prst="curvedConnector3">
+            <a:avLst>
+              <a:gd name="adj1" fmla="val 3848402"/>
+            </a:avLst>
+          </a:prstGeom>
+          <a:ln>
+            <a:tailEnd type="triangle"/>
+          </a:ln>
+        </p:spPr>
+        <p:style>
+          <a:lnRef idx="2">
+            <a:schemeClr val="dk1"/>
+          </a:lnRef>
+          <a:fillRef idx="0">
+            <a:schemeClr val="dk1"/>
+          </a:fillRef>
+          <a:effectRef idx="1">
+            <a:schemeClr val="dk1"/>
+          </a:effectRef>
+          <a:fontRef idx="minor">
+            <a:schemeClr val="tx1"/>
+          </a:fontRef>
+        </p:style>
+      </p:cxnSp>
+      <p:sp>
+        <p:nvSpPr>
+          <p:cNvPr id="32" name="TextBox 31">
+            <a:extLst>
+              <a:ext uri="{FF2B5EF4-FFF2-40B4-BE49-F238E27FC236}">
+                <a16:creationId xmlns:a16="http://schemas.microsoft.com/office/drawing/2014/main" id="{97D23E26-A688-4D12-6E08-A4FE6617D8BD}"/>
+              </a:ext>
+            </a:extLst>
+          </p:cNvPr>
+          <p:cNvSpPr txBox="1"/>
+          <p:nvPr/>
+        </p:nvSpPr>
+        <p:spPr>
+          <a:xfrm>
+            <a:off x="5615816" y="6240320"/>
+            <a:ext cx="282450" cy="369332"/>
+          </a:xfrm>
+          <a:prstGeom prst="rect">
+            <a:avLst/>
+          </a:prstGeom>
+          <a:noFill/>
+        </p:spPr>
+        <p:txBody>
+          <a:bodyPr wrap="none" rtlCol="0">
+            <a:spAutoFit/>
+          </a:bodyPr>
+          <a:lstStyle/>
+          <a:p>
+            <a:r>
+              <a:rPr kumimoji="1" lang="en-US" altLang="ko-KR" dirty="0"/>
+              <a:t>*</a:t>
+            </a:r>
+            <a:endParaRPr kumimoji="1" lang="ko-KR" altLang="en-US" dirty="0"/>
           </a:p>
         </p:txBody>
       </p:sp>
